--- a/InterviewMe.pptx
+++ b/InterviewMe.pptx
@@ -8,6 +8,7 @@
     <p:sldId id="256" r:id="rId2"/>
     <p:sldId id="257" r:id="rId3"/>
     <p:sldId id="258" r:id="rId4"/>
+    <p:sldId id="259" r:id="rId5"/>
   </p:sldIdLst>
   <p:sldSz cx="12192000" cy="6858000"/>
   <p:notesSz cx="6858000" cy="9144000"/>
@@ -3420,6 +3421,85 @@
           </a:xfrm>
         </p:spPr>
       </p:pic>
+      <p:sp>
+        <p:nvSpPr>
+          <p:cNvPr id="10" name="Title 1">
+            <a:extLst>
+              <a:ext uri="{FF2B5EF4-FFF2-40B4-BE49-F238E27FC236}">
+                <a16:creationId xmlns:a16="http://schemas.microsoft.com/office/drawing/2014/main" id="{181CB0E3-4B92-AB49-B4D4-CFC0D3906080}"/>
+              </a:ext>
+            </a:extLst>
+          </p:cNvPr>
+          <p:cNvSpPr>
+            <a:spLocks noGrp="1"/>
+          </p:cNvSpPr>
+          <p:nvPr>
+            <p:ph type="title"/>
+          </p:nvPr>
+        </p:nvSpPr>
+        <p:spPr>
+          <a:xfrm>
+            <a:off x="5091188" y="365125"/>
+            <a:ext cx="6262612" cy="1325563"/>
+          </a:xfrm>
+        </p:spPr>
+        <p:txBody>
+          <a:bodyPr>
+            <a:normAutofit/>
+          </a:bodyPr>
+          <a:lstStyle/>
+          <a:p>
+            <a:r>
+              <a:rPr lang="en-US" sz="6000" b="1" dirty="0">
+                <a:latin typeface="CordiaUPC" panose="020B0304020202020204" pitchFamily="34" charset="-34"/>
+                <a:cs typeface="CordiaUPC" panose="020B0304020202020204" pitchFamily="34" charset="-34"/>
+              </a:rPr>
+              <a:t>Inspiration</a:t>
+            </a:r>
+          </a:p>
+        </p:txBody>
+      </p:sp>
+      <p:sp>
+        <p:nvSpPr>
+          <p:cNvPr id="11" name="TextBox 10">
+            <a:extLst>
+              <a:ext uri="{FF2B5EF4-FFF2-40B4-BE49-F238E27FC236}">
+                <a16:creationId xmlns:a16="http://schemas.microsoft.com/office/drawing/2014/main" id="{6E684CEC-2894-CB48-91E4-DFD2AF61D5D5}"/>
+              </a:ext>
+            </a:extLst>
+          </p:cNvPr>
+          <p:cNvSpPr txBox="1"/>
+          <p:nvPr/>
+        </p:nvSpPr>
+        <p:spPr>
+          <a:xfrm>
+            <a:off x="5091188" y="1482170"/>
+            <a:ext cx="6534756" cy="2585323"/>
+          </a:xfrm>
+          <a:prstGeom prst="rect">
+            <a:avLst/>
+          </a:prstGeom>
+          <a:noFill/>
+        </p:spPr>
+        <p:txBody>
+          <a:bodyPr wrap="square" rtlCol="0">
+            <a:spAutoFit/>
+          </a:bodyPr>
+          <a:lstStyle/>
+          <a:p>
+            <a:r>
+              <a:rPr lang="en-US" sz="3600" dirty="0">
+                <a:latin typeface="CordiaUPC" panose="020B0304020202020204" pitchFamily="34" charset="-34"/>
+                <a:cs typeface="CordiaUPC" panose="020B0304020202020204" pitchFamily="34" charset="-34"/>
+              </a:rPr>
+              <a:t>As college students, we realize the challenge an interview can present and wanted to help other students prep for the upcoming interviews and first impressions ahead of them.</a:t>
+            </a:r>
+          </a:p>
+          <a:p>
+            <a:endParaRPr lang="en-US" dirty="0"/>
+          </a:p>
+        </p:txBody>
+      </p:sp>
     </p:spTree>
     <p:extLst>
       <p:ext uri="{BB962C8B-B14F-4D97-AF65-F5344CB8AC3E}">
@@ -3466,12 +3546,23 @@
             <p:ph type="title"/>
           </p:nvPr>
         </p:nvSpPr>
-        <p:spPr/>
-        <p:txBody>
-          <a:bodyPr/>
-          <a:lstStyle/>
-          <a:p>
-            <a:endParaRPr lang="en-US" dirty="0"/>
+        <p:spPr>
+          <a:xfrm>
+            <a:off x="838200" y="365125"/>
+            <a:ext cx="6513576" cy="1325563"/>
+          </a:xfrm>
+        </p:spPr>
+        <p:txBody>
+          <a:bodyPr/>
+          <a:lstStyle/>
+          <a:p>
+            <a:r>
+              <a:rPr lang="en-US" b="1" dirty="0">
+                <a:latin typeface="CordiaUPC" panose="020B0304020202020204" pitchFamily="34" charset="-34"/>
+                <a:cs typeface="CordiaUPC" panose="020B0304020202020204" pitchFamily="34" charset="-34"/>
+              </a:rPr>
+              <a:t>What It Does</a:t>
+            </a:r>
           </a:p>
         </p:txBody>
       </p:sp>
@@ -3504,10 +3595,217 @@
           </a:xfrm>
         </p:spPr>
       </p:pic>
+      <p:sp>
+        <p:nvSpPr>
+          <p:cNvPr id="10" name="TextBox 9">
+            <a:extLst>
+              <a:ext uri="{FF2B5EF4-FFF2-40B4-BE49-F238E27FC236}">
+                <a16:creationId xmlns:a16="http://schemas.microsoft.com/office/drawing/2014/main" id="{ABE2F990-A242-4D4B-A2A9-FF760B20BDC3}"/>
+              </a:ext>
+            </a:extLst>
+          </p:cNvPr>
+          <p:cNvSpPr txBox="1"/>
+          <p:nvPr/>
+        </p:nvSpPr>
+        <p:spPr>
+          <a:xfrm>
+            <a:off x="838200" y="1690688"/>
+            <a:ext cx="5257800" cy="3970318"/>
+          </a:xfrm>
+          <a:prstGeom prst="rect">
+            <a:avLst/>
+          </a:prstGeom>
+          <a:noFill/>
+        </p:spPr>
+        <p:txBody>
+          <a:bodyPr wrap="square" rtlCol="0">
+            <a:spAutoFit/>
+          </a:bodyPr>
+          <a:lstStyle/>
+          <a:p>
+            <a:r>
+              <a:rPr lang="en-US" sz="2800" dirty="0" err="1"/>
+              <a:t>InterviewMe</a:t>
+            </a:r>
+            <a:r>
+              <a:rPr lang="en-US" sz="2800" dirty="0"/>
+              <a:t> is both an </a:t>
+            </a:r>
+            <a:r>
+              <a:rPr lang="en-US" sz="2800" dirty="0" err="1"/>
+              <a:t>AlexaSkill</a:t>
+            </a:r>
+            <a:r>
+              <a:rPr lang="en-US" sz="2800" dirty="0"/>
+              <a:t> and </a:t>
+            </a:r>
+            <a:r>
+              <a:rPr lang="en-US" sz="2800" dirty="0" err="1"/>
+              <a:t>Andriod</a:t>
+            </a:r>
+            <a:r>
+              <a:rPr lang="en-US" sz="2800" dirty="0"/>
+              <a:t> app.</a:t>
+            </a:r>
+          </a:p>
+          <a:p>
+            <a:r>
+              <a:rPr lang="en-US" sz="2800" dirty="0"/>
+              <a:t>It runs through 4 different types of mock interviews both verbally and in text format. In addition to feedback through the full interview, our project also provides tips and tricks and individual practice questions.</a:t>
+            </a:r>
+          </a:p>
+        </p:txBody>
+      </p:sp>
     </p:spTree>
     <p:extLst>
       <p:ext uri="{BB962C8B-B14F-4D97-AF65-F5344CB8AC3E}">
         <p14:creationId xmlns:p14="http://schemas.microsoft.com/office/powerpoint/2010/main" val="2597236682"/>
+      </p:ext>
+    </p:extLst>
+  </p:cSld>
+  <p:clrMapOvr>
+    <a:masterClrMapping/>
+  </p:clrMapOvr>
+</p:sld>
+</file>
+
+<file path=ppt/slides/slide4.xml><?xml version="1.0" encoding="utf-8"?>
+<p:sld xmlns:a="http://schemas.openxmlformats.org/drawingml/2006/main" xmlns:r="http://schemas.openxmlformats.org/officeDocument/2006/relationships" xmlns:p="http://schemas.openxmlformats.org/presentationml/2006/main">
+  <p:cSld>
+    <p:bg>
+      <p:bgPr>
+        <a:solidFill>
+          <a:schemeClr val="bg1"/>
+        </a:solidFill>
+        <a:effectLst/>
+      </p:bgPr>
+    </p:bg>
+    <p:spTree>
+      <p:nvGrpSpPr>
+        <p:cNvPr id="1" name=""/>
+        <p:cNvGrpSpPr/>
+        <p:nvPr/>
+      </p:nvGrpSpPr>
+      <p:grpSpPr>
+        <a:xfrm>
+          <a:off x="0" y="0"/>
+          <a:ext cx="0" cy="0"/>
+          <a:chOff x="0" y="0"/>
+          <a:chExt cx="0" cy="0"/>
+        </a:xfrm>
+      </p:grpSpPr>
+      <p:pic>
+        <p:nvPicPr>
+          <p:cNvPr id="9" name="Content Placeholder 8">
+            <a:extLst>
+              <a:ext uri="{FF2B5EF4-FFF2-40B4-BE49-F238E27FC236}">
+                <a16:creationId xmlns:a16="http://schemas.microsoft.com/office/drawing/2014/main" id="{6CF437B7-5EE8-A048-B508-E657A7A16C33}"/>
+              </a:ext>
+            </a:extLst>
+          </p:cNvPr>
+          <p:cNvPicPr>
+            <a:picLocks noGrp="1" noChangeAspect="1"/>
+          </p:cNvPicPr>
+          <p:nvPr>
+            <p:ph idx="1"/>
+          </p:nvPr>
+        </p:nvPicPr>
+        <p:blipFill>
+          <a:blip r:embed="rId2"/>
+          <a:stretch>
+            <a:fillRect/>
+          </a:stretch>
+        </p:blipFill>
+        <p:spPr>
+          <a:xfrm>
+            <a:off x="-4505972" y="-2011680"/>
+            <a:ext cx="9597160" cy="7713155"/>
+          </a:xfrm>
+        </p:spPr>
+      </p:pic>
+      <p:sp>
+        <p:nvSpPr>
+          <p:cNvPr id="10" name="Title 1">
+            <a:extLst>
+              <a:ext uri="{FF2B5EF4-FFF2-40B4-BE49-F238E27FC236}">
+                <a16:creationId xmlns:a16="http://schemas.microsoft.com/office/drawing/2014/main" id="{181CB0E3-4B92-AB49-B4D4-CFC0D3906080}"/>
+              </a:ext>
+            </a:extLst>
+          </p:cNvPr>
+          <p:cNvSpPr>
+            <a:spLocks noGrp="1"/>
+          </p:cNvSpPr>
+          <p:nvPr>
+            <p:ph type="title"/>
+          </p:nvPr>
+        </p:nvSpPr>
+        <p:spPr>
+          <a:xfrm>
+            <a:off x="5091188" y="365125"/>
+            <a:ext cx="6262612" cy="1325563"/>
+          </a:xfrm>
+        </p:spPr>
+        <p:txBody>
+          <a:bodyPr>
+            <a:normAutofit/>
+          </a:bodyPr>
+          <a:lstStyle/>
+          <a:p>
+            <a:r>
+              <a:rPr lang="en-US" sz="6000" b="1" dirty="0">
+                <a:latin typeface="CordiaUPC" panose="020B0304020202020204" pitchFamily="34" charset="-34"/>
+                <a:cs typeface="CordiaUPC" panose="020B0304020202020204" pitchFamily="34" charset="-34"/>
+              </a:rPr>
+              <a:t>How we built it</a:t>
+            </a:r>
+          </a:p>
+        </p:txBody>
+      </p:sp>
+      <p:sp>
+        <p:nvSpPr>
+          <p:cNvPr id="11" name="TextBox 10">
+            <a:extLst>
+              <a:ext uri="{FF2B5EF4-FFF2-40B4-BE49-F238E27FC236}">
+                <a16:creationId xmlns:a16="http://schemas.microsoft.com/office/drawing/2014/main" id="{6E684CEC-2894-CB48-91E4-DFD2AF61D5D5}"/>
+              </a:ext>
+            </a:extLst>
+          </p:cNvPr>
+          <p:cNvSpPr txBox="1"/>
+          <p:nvPr/>
+        </p:nvSpPr>
+        <p:spPr>
+          <a:xfrm>
+            <a:off x="5091188" y="1482170"/>
+            <a:ext cx="6534756" cy="1477328"/>
+          </a:xfrm>
+          <a:prstGeom prst="rect">
+            <a:avLst/>
+          </a:prstGeom>
+          <a:noFill/>
+        </p:spPr>
+        <p:txBody>
+          <a:bodyPr wrap="square" rtlCol="0">
+            <a:spAutoFit/>
+          </a:bodyPr>
+          <a:lstStyle/>
+          <a:p>
+            <a:r>
+              <a:rPr lang="en-US" sz="3600" dirty="0">
+                <a:latin typeface="CordiaUPC" panose="020B0304020202020204" pitchFamily="34" charset="-34"/>
+                <a:cs typeface="CordiaUPC" panose="020B0304020202020204" pitchFamily="34" charset="-34"/>
+              </a:rPr>
+              <a:t>We used Android Studio and Alexa Skills to build our project.</a:t>
+            </a:r>
+          </a:p>
+          <a:p>
+            <a:endParaRPr lang="en-US" dirty="0"/>
+          </a:p>
+        </p:txBody>
+      </p:sp>
+    </p:spTree>
+    <p:extLst>
+      <p:ext uri="{BB962C8B-B14F-4D97-AF65-F5344CB8AC3E}">
+        <p14:creationId xmlns:p14="http://schemas.microsoft.com/office/powerpoint/2010/main" val="2431002975"/>
       </p:ext>
     </p:extLst>
   </p:cSld>
